--- a/presentation/TryMe.pptx
+++ b/presentation/TryMe.pptx
@@ -114,6 +114,11 @@
       </a:defRPr>
     </a:lvl9pPr>
   </p:defaultTextStyle>
+  <p:extLst>
+    <p:ext uri="{EFAFB233-063F-42B5-8137-9DF3F51BA10A}">
+      <p15:sldGuideLst xmlns:p15="http://schemas.microsoft.com/office/powerpoint/2012/main"/>
+    </p:ext>
+  </p:extLst>
 </p:presentation>
 </file>
 
@@ -6522,7 +6527,7 @@
           </p:nvPr>
         </p:nvPicPr>
         <p:blipFill>
-          <a:blip r:embed="rId2">
+          <a:blip r:embed="rId2" cstate="hqprint">
             <a:extLst>
               <a:ext uri="{28A0092B-C50C-407E-A947-70E740481C1C}">
                 <a14:useLocalDpi xmlns:a14="http://schemas.microsoft.com/office/drawing/2010/main" val="0"/>
@@ -6675,25 +6680,32 @@
           </a:p>
         </p:txBody>
       </p:sp>
-      <p:sp>
-        <p:nvSpPr>
-          <p:cNvPr id="3" name="Content Placeholder 2"/>
-          <p:cNvSpPr>
-            <a:spLocks noGrp="1"/>
-          </p:cNvSpPr>
+      <p:pic>
+        <p:nvPicPr>
+          <p:cNvPr id="4" name="Content Placeholder 3"/>
+          <p:cNvPicPr>
+            <a:picLocks noGrp="1" noChangeAspect="1"/>
+          </p:cNvPicPr>
           <p:nvPr>
             <p:ph idx="1"/>
           </p:nvPr>
-        </p:nvSpPr>
-        <p:spPr/>
-        <p:txBody>
-          <a:bodyPr/>
-          <a:lstStyle/>
-          <a:p>
-            <a:endParaRPr lang="en-US"/>
-          </a:p>
-        </p:txBody>
-      </p:sp>
+        </p:nvPicPr>
+        <p:blipFill>
+          <a:blip r:embed="rId2"/>
+          <a:stretch>
+            <a:fillRect/>
+          </a:stretch>
+        </p:blipFill>
+        <p:spPr>
+          <a:xfrm>
+            <a:off x="1395677" y="2557463"/>
+            <a:ext cx="9400645" cy="3317875"/>
+          </a:xfrm>
+          <a:prstGeom prst="rect">
+            <a:avLst/>
+          </a:prstGeom>
+        </p:spPr>
+      </p:pic>
     </p:spTree>
     <p:extLst>
       <p:ext uri="{BB962C8B-B14F-4D97-AF65-F5344CB8AC3E}">
@@ -6864,7 +6876,7 @@
           </p:nvPr>
         </p:nvPicPr>
         <p:blipFill>
-          <a:blip r:embed="rId2">
+          <a:blip r:embed="rId2" cstate="hqprint">
             <a:extLst>
               <a:ext uri="{28A0092B-C50C-407E-A947-70E740481C1C}">
                 <a14:useLocalDpi xmlns:a14="http://schemas.microsoft.com/office/drawing/2010/main" val="0"/>
